--- a/spring16/slidesS16/confidence-vs-truth98.pptx
+++ b/spring16/slidesS16/confidence-vs-truth98.pptx
@@ -3919,13 +3919,7 @@
               <a:rPr lang="en-US" sz="5400" dirty="0" smtClean="0">
                 <a:latin typeface="Comic Sans MS" pitchFamily="66" charset="0"/>
               </a:rPr>
-              <a:t>Talking </a:t>
-            </a:r>
-            <a:r>
-              <a:rPr lang="en-US" sz="5400" dirty="0" smtClean="0">
-                <a:latin typeface="Comic Sans MS" pitchFamily="66" charset="0"/>
-              </a:rPr>
-              <a:t>about</a:t>
+              <a:t>Talking about</a:t>
             </a:r>
           </a:p>
           <a:p>
@@ -3977,13 +3971,7 @@
               <a:rPr lang="en-US" sz="5400" dirty="0" smtClean="0">
                 <a:latin typeface="Comic Sans MS" pitchFamily="66" charset="0"/>
               </a:rPr>
-              <a:t>you </a:t>
-            </a:r>
-            <a:r>
-              <a:rPr lang="en-US" sz="5400" dirty="0" smtClean="0">
-                <a:latin typeface="Comic Sans MS" pitchFamily="66" charset="0"/>
-              </a:rPr>
-              <a:t>  </a:t>
+              <a:t>you   </a:t>
             </a:r>
           </a:p>
           <a:p>
@@ -4002,19 +3990,7 @@
               <a:rPr lang="en-US" sz="5400" dirty="0" smtClean="0">
                 <a:latin typeface="Comic Sans MS" pitchFamily="66" charset="0"/>
               </a:rPr>
-              <a:t> </a:t>
-            </a:r>
-            <a:r>
-              <a:rPr lang="en-US" sz="5400" dirty="0" smtClean="0">
-                <a:latin typeface="Comic Sans MS" pitchFamily="66" charset="0"/>
-              </a:rPr>
-              <a:t>personally </a:t>
-            </a:r>
-            <a:r>
-              <a:rPr lang="en-US" sz="5400" dirty="0" smtClean="0">
-                <a:latin typeface="Comic Sans MS" pitchFamily="66" charset="0"/>
-              </a:rPr>
-              <a:t>have TB”</a:t>
+              <a:t> personally have TB”</a:t>
             </a:r>
             <a:endParaRPr lang="en-US" sz="5400" dirty="0">
               <a:latin typeface="Comic Sans MS" pitchFamily="66" charset="0"/>
@@ -5099,9 +5075,6 @@
               </a:rPr>
               <a:t>say</a:t>
             </a:r>
-            <a:endParaRPr lang="en-US" sz="5400" dirty="0" smtClean="0">
-              <a:latin typeface="Comic Sans MS" pitchFamily="66" charset="0"/>
-            </a:endParaRPr>
           </a:p>
           <a:p>
             <a:pPr algn="l">
@@ -5999,13 +5972,7 @@
               <a:rPr lang="en-US" sz="6000" dirty="0" smtClean="0">
                 <a:latin typeface="Comic Sans MS" pitchFamily="66" charset="0"/>
               </a:rPr>
-              <a:t>, and many are unlikely.  The unlikely event may offer little </a:t>
-            </a:r>
-            <a:r>
-              <a:rPr lang="en-US" sz="6000" dirty="0" smtClean="0">
-                <a:latin typeface="Comic Sans MS" pitchFamily="66" charset="0"/>
-              </a:rPr>
-              <a:t>information about TB.</a:t>
+              <a:t>, and many are unlikely.  The unlikely event may offer little information about TB.</a:t>
             </a:r>
             <a:endParaRPr lang="en-US" sz="6000" dirty="0">
               <a:latin typeface="Comic Sans MS" pitchFamily="66" charset="0"/>
@@ -6164,13 +6131,8 @@
           <a:p>
             <a:r>
               <a:rPr lang="en-US" sz="5400" dirty="0" smtClean="0"/>
-              <a:t>Claiming a fact holds </a:t>
-            </a:r>
-            <a:r>
-              <a:rPr lang="en-US" sz="5400" dirty="0" smtClean="0"/>
-              <a:t>at a </a:t>
-            </a:r>
-            <a:endParaRPr lang="en-US" sz="5400" dirty="0" smtClean="0"/>
+              <a:t>Claiming a fact holds at a </a:t>
+            </a:r>
           </a:p>
           <a:p>
             <a:r>
@@ -7613,7 +7575,13 @@
                 </a:solidFill>
                 <a:latin typeface="Comic Sans MS" pitchFamily="66" charset="0"/>
               </a:rPr>
-              <a:t> TB,</a:t>
+              <a:t> </a:t>
+            </a:r>
+            <a:r>
+              <a:rPr lang="is-IS" sz="5400" kern="0" dirty="0" smtClean="0">
+                <a:latin typeface="Comic Sans MS" pitchFamily="66" charset="0"/>
+              </a:rPr>
+              <a:t>TB,</a:t>
             </a:r>
             <a:r>
               <a:rPr lang="is-IS" sz="5400" kern="0" dirty="0" smtClean="0">
@@ -7633,27 +7601,7 @@
                 </a:solidFill>
                 <a:latin typeface="Comic Sans MS" pitchFamily="66" charset="0"/>
               </a:rPr>
-              <a:t>given </a:t>
-            </a:r>
-            <a:r>
-              <a:rPr lang="is-IS" sz="5400" kern="0" dirty="0" smtClean="0">
-                <a:solidFill>
-                  <a:srgbClr val="000000"/>
-                </a:solidFill>
-                <a:latin typeface="Comic Sans MS" pitchFamily="66" charset="0"/>
-              </a:rPr>
-              <a:t>they</a:t>
-            </a:r>
-            <a:r>
-              <a:rPr lang="is-IS" sz="5400" kern="0" dirty="0" smtClean="0">
-                <a:solidFill>
-                  <a:schemeClr val="accent1">
-                    <a:lumMod val="50000"/>
-                  </a:schemeClr>
-                </a:solidFill>
-                <a:latin typeface="Comic Sans MS" pitchFamily="66" charset="0"/>
-              </a:rPr>
-              <a:t> test positive</a:t>
+              <a:t>given they test positive</a:t>
             </a:r>
             <a:endParaRPr lang="en-US" sz="5400" dirty="0">
               <a:solidFill>
@@ -7871,7 +7819,13 @@
                 </a:solidFill>
                 <a:latin typeface="Comic Sans MS" pitchFamily="66" charset="0"/>
               </a:rPr>
-              <a:t> TB,</a:t>
+              <a:t> </a:t>
+            </a:r>
+            <a:r>
+              <a:rPr lang="is-IS" sz="5400" kern="0" dirty="0" smtClean="0">
+                <a:latin typeface="Comic Sans MS" pitchFamily="66" charset="0"/>
+              </a:rPr>
+              <a:t>TB,</a:t>
             </a:r>
             <a:r>
               <a:rPr lang="is-IS" sz="5400" kern="0" dirty="0" smtClean="0">
@@ -7891,16 +7845,7 @@
                 </a:solidFill>
                 <a:latin typeface="Comic Sans MS" pitchFamily="66" charset="0"/>
               </a:rPr>
-              <a:t>given </a:t>
-            </a:r>
-            <a:r>
-              <a:rPr lang="is-IS" sz="5400" kern="0" dirty="0" smtClean="0">
-                <a:solidFill>
-                  <a:srgbClr val="000000"/>
-                </a:solidFill>
-                <a:latin typeface="Comic Sans MS" pitchFamily="66" charset="0"/>
-              </a:rPr>
-              <a:t>they</a:t>
+              <a:t>given they test </a:t>
             </a:r>
             <a:r>
               <a:rPr lang="is-IS" sz="5400" kern="0" dirty="0" smtClean="0">
@@ -7911,7 +7856,7 @@
                 </a:solidFill>
                 <a:latin typeface="Comic Sans MS" pitchFamily="66" charset="0"/>
               </a:rPr>
-              <a:t> test positive </a:t>
+              <a:t>positive, </a:t>
             </a:r>
             <a:r>
               <a:rPr lang="is-IS" sz="5400" kern="0" dirty="0" smtClean="0">
